--- a/A21_ppt[1].pptx
+++ b/A21_ppt[1].pptx
@@ -384,7 +384,7 @@
           <a:p>
             <a:fld id="{3EC8AD67-AB6E-4F7D-B326-44122EB00BDF}" type="datetimeFigureOut">
               <a:rPr lang="en-IN" smtClean="0"/>
-              <a:t>27-10-2025</a:t>
+              <a:t>28-10-2025</a:t>
             </a:fld>
             <a:endParaRPr lang="en-IN"/>
           </a:p>
@@ -803,7 +803,7 @@
           <a:p>
             <a:fld id="{1D8BD707-D9CF-40AE-B4C6-C98DA3205C09}" type="datetimeFigureOut">
               <a:rPr lang="en-US"/>
-              <a:t>10/27/2025</a:t>
+              <a:t>10/28/2025</a:t>
             </a:fld>
             <a:endParaRPr lang="en-US"/>
           </a:p>
@@ -980,7 +980,7 @@
           <a:p>
             <a:fld id="{1D8BD707-D9CF-40AE-B4C6-C98DA3205C09}" type="datetimeFigureOut">
               <a:rPr lang="en-US"/>
-              <a:t>10/27/2025</a:t>
+              <a:t>10/28/2025</a:t>
             </a:fld>
             <a:endParaRPr lang="en-US"/>
           </a:p>
@@ -1194,7 +1194,7 @@
           <a:p>
             <a:fld id="{1D8BD707-D9CF-40AE-B4C6-C98DA3205C09}" type="datetimeFigureOut">
               <a:rPr lang="en-US"/>
-              <a:t>10/27/2025</a:t>
+              <a:t>10/28/2025</a:t>
             </a:fld>
             <a:endParaRPr lang="en-US"/>
           </a:p>
@@ -1342,7 +1342,7 @@
           <a:p>
             <a:fld id="{1D8BD707-D9CF-40AE-B4C6-C98DA3205C09}" type="datetimeFigureOut">
               <a:rPr lang="en-US"/>
-              <a:t>10/27/2025</a:t>
+              <a:t>10/28/2025</a:t>
             </a:fld>
             <a:endParaRPr lang="en-US"/>
           </a:p>
@@ -1461,7 +1461,7 @@
           <a:p>
             <a:fld id="{1D8BD707-D9CF-40AE-B4C6-C98DA3205C09}" type="datetimeFigureOut">
               <a:rPr lang="en-US"/>
-              <a:t>10/27/2025</a:t>
+              <a:t>10/28/2025</a:t>
             </a:fld>
             <a:endParaRPr lang="en-US"/>
           </a:p>
@@ -1736,7 +1736,7 @@
           <a:p>
             <a:fld id="{1D8BD707-D9CF-40AE-B4C6-C98DA3205C09}" type="datetimeFigureOut">
               <a:rPr lang="en-US"/>
-              <a:t>10/27/2025</a:t>
+              <a:t>10/28/2025</a:t>
             </a:fld>
             <a:endParaRPr lang="en-US"/>
           </a:p>
@@ -3006,7 +3006,7 @@
         </p:blipFill>
         <p:spPr>
           <a:xfrm>
-            <a:off x="3733800" y="1539741"/>
+            <a:off x="3429000" y="1539741"/>
             <a:ext cx="11930797" cy="7947159"/>
           </a:xfrm>
           <a:prstGeom prst="rect">
@@ -3109,10 +3109,10 @@
       </p:sp>
       <p:pic>
         <p:nvPicPr>
-          <p:cNvPr id="3" name="Picture 2">
+          <p:cNvPr id="4" name="Picture 3">
             <a:extLst>
               <a:ext uri="{FF2B5EF4-FFF2-40B4-BE49-F238E27FC236}">
-                <a16:creationId xmlns:a16="http://schemas.microsoft.com/office/drawing/2014/main" id="{CD5A3007-8E4E-0BBB-90EF-80A9280FA7F7}"/>
+                <a16:creationId xmlns:a16="http://schemas.microsoft.com/office/drawing/2014/main" id="{6F07EF27-9C4B-4CA3-F45D-507CC8AD1AC9}"/>
               </a:ext>
             </a:extLst>
           </p:cNvPr>
@@ -3129,8 +3129,8 @@
         </p:blipFill>
         <p:spPr>
           <a:xfrm>
-            <a:off x="2667000" y="2247900"/>
-            <a:ext cx="13761720" cy="6553200"/>
+            <a:off x="3276600" y="1790700"/>
+            <a:ext cx="11008323" cy="7095833"/>
           </a:xfrm>
           <a:prstGeom prst="rect">
             <a:avLst/>
@@ -3317,7 +3317,7 @@
             </a:r>
             <a:r>
               <a:rPr lang="en-US" sz="3200" dirty="0"/>
-              <a:t> Capture location and upload images/videos.</a:t>
+              <a:t> Capture location and upload images.</a:t>
             </a:r>
           </a:p>
           <a:p>
@@ -6484,7 +6484,7 @@
             </a:r>
             <a:r>
               <a:rPr lang="en-IN" sz="2400" dirty="0"/>
-              <a:t> HTML, CSS, JavaScript</a:t>
+              <a:t> React</a:t>
             </a:r>
             <a:endParaRPr lang="en-US" sz="2400" b="1" u="sng" dirty="0">
               <a:latin typeface="Times New Roman" panose="02020603050405020304" pitchFamily="18" charset="0"/>
@@ -6532,7 +6532,7 @@
                 <a:effectLst/>
                 <a:latin typeface="Arial" panose="020B0604020202020204" pitchFamily="34" charset="0"/>
               </a:rPr>
-              <a:t> Node.js</a:t>
+              <a:t> Node.js, Express.js</a:t>
             </a:r>
           </a:p>
           <a:p>
@@ -7095,7 +7095,7 @@
         <p:spPr>
           <a:xfrm>
             <a:off x="482071" y="1790700"/>
-            <a:ext cx="17221200" cy="7386638"/>
+            <a:ext cx="17221200" cy="6894195"/>
           </a:xfrm>
         </p:spPr>
         <p:txBody>
@@ -7199,7 +7199,7 @@
                 <a:latin typeface="Arial" panose="020B0604020202020204" pitchFamily="34" charset="0"/>
                 <a:cs typeface="Arial" panose="020B0604020202020204" pitchFamily="34" charset="0"/>
               </a:rPr>
-              <a:t> can manage employees, assign complaints, and monitor departmental performance.</a:t>
+              <a:t> can manage employees, view complaints and monitor departmental performance.</a:t>
             </a:r>
           </a:p>
           <a:p>
@@ -7239,14 +7239,7 @@
                 <a:latin typeface="Arial" panose="020B0604020202020204" pitchFamily="34" charset="0"/>
                 <a:cs typeface="Arial" panose="020B0604020202020204" pitchFamily="34" charset="0"/>
               </a:rPr>
-              <a:t>transparency, accountability, and time-bound grievance resolution</a:t>
-            </a:r>
-            <a:r>
-              <a:rPr lang="en-US" sz="3200" dirty="0">
-                <a:latin typeface="Arial" panose="020B0604020202020204" pitchFamily="34" charset="0"/>
-                <a:cs typeface="Arial" panose="020B0604020202020204" pitchFamily="34" charset="0"/>
-              </a:rPr>
-              <a:t>.</a:t>
+              <a:t>transparency, accountability</a:t>
             </a:r>
           </a:p>
           <a:p>
@@ -7603,7 +7596,7 @@
                 <a:latin typeface="Arial" panose="020B0604020202020204" pitchFamily="34" charset="0"/>
                 <a:cs typeface="Arial" panose="020B0604020202020204" pitchFamily="34" charset="0"/>
               </a:rPr>
-              <a:t> and assign tasks efficiently.</a:t>
+              <a:t> </a:t>
             </a:r>
           </a:p>
           <a:p>
@@ -7633,7 +7626,7 @@
                 <a:latin typeface="Arial" panose="020B0604020202020204" pitchFamily="34" charset="0"/>
                 <a:cs typeface="Arial" panose="020B0604020202020204" pitchFamily="34" charset="0"/>
               </a:rPr>
-              <a:t> that can be accessed anytime, anywhere.</a:t>
+              <a:t> that can be accessed easily. </a:t>
             </a:r>
           </a:p>
           <a:p>

--- a/A21_ppt[1].pptx
+++ b/A21_ppt[1].pptx
@@ -64,16 +64,24 @@
   <pc:docChgLst>
     <pc:chgData name="Devasharshini MJ" userId="8bbfb2d456d65a50" providerId="LiveId" clId="{96DAB2BB-FD36-406B-B13F-7F7AB14BCB88}"/>
     <pc:docChg chg="undo custSel addSld delSld modSld">
-      <pc:chgData name="Devasharshini MJ" userId="8bbfb2d456d65a50" providerId="LiveId" clId="{96DAB2BB-FD36-406B-B13F-7F7AB14BCB88}" dt="2025-10-27T15:06:04.430" v="389" actId="20577"/>
+      <pc:chgData name="Devasharshini MJ" userId="8bbfb2d456d65a50" providerId="LiveId" clId="{96DAB2BB-FD36-406B-B13F-7F7AB14BCB88}" dt="2025-10-28T14:34:32.052" v="454" actId="20577"/>
       <pc:docMkLst>
         <pc:docMk/>
       </pc:docMkLst>
       <pc:sldChg chg="modSp mod">
-        <pc:chgData name="Devasharshini MJ" userId="8bbfb2d456d65a50" providerId="LiveId" clId="{96DAB2BB-FD36-406B-B13F-7F7AB14BCB88}" dt="2025-10-27T15:06:04.430" v="389" actId="20577"/>
+        <pc:chgData name="Devasharshini MJ" userId="8bbfb2d456d65a50" providerId="LiveId" clId="{96DAB2BB-FD36-406B-B13F-7F7AB14BCB88}" dt="2025-10-28T14:34:32.052" v="454" actId="20577"/>
         <pc:sldMkLst>
           <pc:docMk/>
           <pc:sldMk cId="0" sldId="256"/>
         </pc:sldMkLst>
+        <pc:spChg chg="mod">
+          <ac:chgData name="Devasharshini MJ" userId="8bbfb2d456d65a50" providerId="LiveId" clId="{96DAB2BB-FD36-406B-B13F-7F7AB14BCB88}" dt="2025-10-28T14:33:10.551" v="432" actId="122"/>
+          <ac:spMkLst>
+            <pc:docMk/>
+            <pc:sldMk cId="0" sldId="256"/>
+            <ac:spMk id="3" creationId="{00000000-0000-0000-0000-000000000000}"/>
+          </ac:spMkLst>
+        </pc:spChg>
         <pc:spChg chg="mod">
           <ac:chgData name="Devasharshini MJ" userId="8bbfb2d456d65a50" providerId="LiveId" clId="{96DAB2BB-FD36-406B-B13F-7F7AB14BCB88}" dt="2025-10-27T15:04:57.007" v="348" actId="20577"/>
           <ac:spMkLst>
@@ -83,7 +91,7 @@
           </ac:spMkLst>
         </pc:spChg>
         <pc:spChg chg="mod">
-          <ac:chgData name="Devasharshini MJ" userId="8bbfb2d456d65a50" providerId="LiveId" clId="{96DAB2BB-FD36-406B-B13F-7F7AB14BCB88}" dt="2025-10-27T15:06:04.430" v="389" actId="20577"/>
+          <ac:chgData name="Devasharshini MJ" userId="8bbfb2d456d65a50" providerId="LiveId" clId="{96DAB2BB-FD36-406B-B13F-7F7AB14BCB88}" dt="2025-10-28T14:34:32.052" v="454" actId="20577"/>
           <ac:spMkLst>
             <pc:docMk/>
             <pc:sldMk cId="0" sldId="256"/>
@@ -2002,7 +2010,7 @@
           </a:bodyPr>
           <a:lstStyle/>
           <a:p>
-            <a:pPr marL="12700">
+            <a:pPr marL="12700" algn="ctr">
               <a:lnSpc>
                 <a:spcPct val="100000"/>
               </a:lnSpc>
@@ -2019,7 +2027,7 @@
                 <a:cs typeface="Times New Roman"/>
                 <a:sym typeface="Times New Roman"/>
               </a:rPr>
-              <a:t>SMART WASTE-AI-POWERED COMMUNITY WASTE MANAGEMENT SYSTEM</a:t>
+              <a:t>SMART COMPLAINT  MANAGEMENT SYSTEM</a:t>
             </a:r>
             <a:endParaRPr sz="2950" dirty="0"/>
           </a:p>
@@ -2534,7 +2542,7 @@
                 <a:latin typeface="Times New Roman" panose="02020603050405020304" pitchFamily="18" charset="0"/>
                 <a:cs typeface="Times New Roman" panose="02020603050405020304" pitchFamily="18" charset="0"/>
               </a:rPr>
-              <a:t>DR.ALIMA BEEVI</a:t>
+              <a:t>Mrs. ALIMA BEEVI</a:t>
             </a:r>
           </a:p>
           <a:p>
